--- a/Digital Text Forensics Search Engine.pptx
+++ b/Digital Text Forensics Search Engine.pptx
@@ -9,10 +9,11 @@
     <p:sldId id="257" r:id="rId3"/>
     <p:sldId id="258" r:id="rId4"/>
     <p:sldId id="259" r:id="rId5"/>
-    <p:sldId id="263" r:id="rId6"/>
-    <p:sldId id="260" r:id="rId7"/>
-    <p:sldId id="261" r:id="rId8"/>
-    <p:sldId id="262" r:id="rId9"/>
+    <p:sldId id="264" r:id="rId6"/>
+    <p:sldId id="263" r:id="rId7"/>
+    <p:sldId id="260" r:id="rId8"/>
+    <p:sldId id="261" r:id="rId9"/>
+    <p:sldId id="262" r:id="rId10"/>
   </p:sldIdLst>
   <p:sldSz cx="12192000" cy="6858000"/>
   <p:notesSz cx="6858000" cy="9144000"/>
@@ -340,7 +341,7 @@
           <a:p>
             <a:fld id="{F8A6BAA9-4378-42EF-83FD-7CE001516070}" type="datetimeFigureOut">
               <a:rPr lang="de-DE" smtClean="0"/>
-              <a:t>12.04.2018</a:t>
+              <a:t>14.04.18</a:t>
             </a:fld>
             <a:endParaRPr lang="de-DE"/>
           </a:p>
@@ -548,7 +549,7 @@
           <a:p>
             <a:fld id="{F8A6BAA9-4378-42EF-83FD-7CE001516070}" type="datetimeFigureOut">
               <a:rPr lang="de-DE" smtClean="0"/>
-              <a:t>12.04.2018</a:t>
+              <a:t>14.04.18</a:t>
             </a:fld>
             <a:endParaRPr lang="de-DE"/>
           </a:p>
@@ -804,7 +805,7 @@
           <a:p>
             <a:fld id="{F8A6BAA9-4378-42EF-83FD-7CE001516070}" type="datetimeFigureOut">
               <a:rPr lang="de-DE" smtClean="0"/>
-              <a:t>12.04.2018</a:t>
+              <a:t>14.04.18</a:t>
             </a:fld>
             <a:endParaRPr lang="de-DE"/>
           </a:p>
@@ -978,7 +979,7 @@
           <a:p>
             <a:fld id="{F8A6BAA9-4378-42EF-83FD-7CE001516070}" type="datetimeFigureOut">
               <a:rPr lang="de-DE" smtClean="0"/>
-              <a:t>12.04.2018</a:t>
+              <a:t>14.04.18</a:t>
             </a:fld>
             <a:endParaRPr lang="de-DE"/>
           </a:p>
@@ -1321,7 +1322,7 @@
           <a:p>
             <a:fld id="{F8A6BAA9-4378-42EF-83FD-7CE001516070}" type="datetimeFigureOut">
               <a:rPr lang="de-DE" smtClean="0"/>
-              <a:t>12.04.2018</a:t>
+              <a:t>14.04.18</a:t>
             </a:fld>
             <a:endParaRPr lang="de-DE"/>
           </a:p>
@@ -1596,7 +1597,7 @@
           <a:p>
             <a:fld id="{F8A6BAA9-4378-42EF-83FD-7CE001516070}" type="datetimeFigureOut">
               <a:rPr lang="de-DE" smtClean="0"/>
-              <a:t>12.04.2018</a:t>
+              <a:t>14.04.18</a:t>
             </a:fld>
             <a:endParaRPr lang="de-DE"/>
           </a:p>
@@ -1975,7 +1976,7 @@
           <a:p>
             <a:fld id="{F8A6BAA9-4378-42EF-83FD-7CE001516070}" type="datetimeFigureOut">
               <a:rPr lang="de-DE" smtClean="0"/>
-              <a:t>12.04.2018</a:t>
+              <a:t>14.04.18</a:t>
             </a:fld>
             <a:endParaRPr lang="de-DE"/>
           </a:p>
@@ -2093,7 +2094,7 @@
           <a:p>
             <a:fld id="{F8A6BAA9-4378-42EF-83FD-7CE001516070}" type="datetimeFigureOut">
               <a:rPr lang="de-DE" smtClean="0"/>
-              <a:t>12.04.2018</a:t>
+              <a:t>14.04.18</a:t>
             </a:fld>
             <a:endParaRPr lang="de-DE"/>
           </a:p>
@@ -2264,7 +2265,7 @@
           <a:p>
             <a:fld id="{F8A6BAA9-4378-42EF-83FD-7CE001516070}" type="datetimeFigureOut">
               <a:rPr lang="de-DE" smtClean="0"/>
-              <a:t>12.04.2018</a:t>
+              <a:t>14.04.18</a:t>
             </a:fld>
             <a:endParaRPr lang="de-DE"/>
           </a:p>
@@ -2618,7 +2619,7 @@
           <a:p>
             <a:fld id="{F8A6BAA9-4378-42EF-83FD-7CE001516070}" type="datetimeFigureOut">
               <a:rPr lang="de-DE" smtClean="0"/>
-              <a:t>12.04.2018</a:t>
+              <a:t>14.04.18</a:t>
             </a:fld>
             <a:endParaRPr lang="de-DE"/>
           </a:p>
@@ -3000,7 +3001,7 @@
           <a:p>
             <a:fld id="{F8A6BAA9-4378-42EF-83FD-7CE001516070}" type="datetimeFigureOut">
               <a:rPr lang="de-DE" smtClean="0"/>
-              <a:t>12.04.2018</a:t>
+              <a:t>14.04.18</a:t>
             </a:fld>
             <a:endParaRPr lang="de-DE"/>
           </a:p>
@@ -3287,7 +3288,7 @@
           <a:p>
             <a:fld id="{F8A6BAA9-4378-42EF-83FD-7CE001516070}" type="datetimeFigureOut">
               <a:rPr lang="de-DE" smtClean="0"/>
-              <a:t>12.04.2018</a:t>
+              <a:t>14.04.18</a:t>
             </a:fld>
             <a:endParaRPr lang="de-DE"/>
           </a:p>
@@ -3905,7 +3906,7 @@
   <p:timing>
     <p:tnLst>
       <p:par>
-        <p:cTn id="1" dur="indefinite" restart="never" nodeType="tmRoot"/>
+        <p:cTn xmlns:p14="http://schemas.microsoft.com/office/powerpoint/2010/main" id="1" dur="indefinite" restart="never" nodeType="tmRoot"/>
       </p:par>
     </p:tnLst>
   </p:timing>
@@ -4049,7 +4050,7 @@
   <p:timing>
     <p:tnLst>
       <p:par>
-        <p:cTn id="1" dur="indefinite" restart="never" nodeType="tmRoot"/>
+        <p:cTn xmlns:p14="http://schemas.microsoft.com/office/powerpoint/2010/main" id="1" dur="indefinite" restart="never" nodeType="tmRoot"/>
       </p:par>
     </p:tnLst>
   </p:timing>
@@ -4111,6 +4112,51 @@
           <a:bodyPr/>
           <a:lstStyle/>
           <a:p>
+            <a:r>
+              <a:rPr lang="de-DE" dirty="0" smtClean="0"/>
+              <a:t>Suchmaschine Wissenschaftlicher Publikationen zur Digital Text </a:t>
+            </a:r>
+            <a:r>
+              <a:rPr lang="de-DE" dirty="0" err="1" smtClean="0"/>
+              <a:t>Forensics</a:t>
+            </a:r>
+            <a:endParaRPr lang="de-DE" dirty="0" smtClean="0"/>
+          </a:p>
+          <a:p>
+            <a:r>
+              <a:rPr lang="de-DE" dirty="0" smtClean="0"/>
+              <a:t>Gegeben: Menge von PDF-Dateien</a:t>
+            </a:r>
+          </a:p>
+          <a:p>
+            <a:r>
+              <a:rPr lang="de-DE" dirty="0" err="1" smtClean="0"/>
+              <a:t>Preprocessing</a:t>
+            </a:r>
+            <a:r>
+              <a:rPr lang="de-DE" dirty="0" smtClean="0"/>
+              <a:t>: Erstellung </a:t>
+            </a:r>
+            <a:r>
+              <a:rPr lang="de-DE" dirty="0" err="1" smtClean="0"/>
+              <a:t>indizierbarer</a:t>
+            </a:r>
+            <a:r>
+              <a:rPr lang="de-DE" dirty="0" smtClean="0"/>
+              <a:t> XML-Dokumente</a:t>
+            </a:r>
+          </a:p>
+          <a:p>
+            <a:r>
+              <a:rPr lang="de-DE" dirty="0" smtClean="0"/>
+              <a:t>Suche auf indizierten Dokumenten</a:t>
+            </a:r>
+          </a:p>
+          <a:p>
+            <a:r>
+              <a:rPr lang="de-DE" dirty="0" smtClean="0"/>
+              <a:t>Bereitstellung auf Server für reale Anwendung</a:t>
+            </a:r>
             <a:endParaRPr lang="de-DE" dirty="0"/>
           </a:p>
         </p:txBody>
@@ -4128,7 +4174,7 @@
   <p:timing>
     <p:tnLst>
       <p:par>
-        <p:cTn id="1" dur="indefinite" restart="never" nodeType="tmRoot"/>
+        <p:cTn xmlns:p14="http://schemas.microsoft.com/office/powerpoint/2010/main" id="1" dur="indefinite" restart="never" nodeType="tmRoot"/>
       </p:par>
     </p:tnLst>
   </p:timing>
@@ -4191,19 +4237,63 @@
           <a:lstStyle/>
           <a:p>
             <a:r>
+              <a:rPr lang="de-DE" dirty="0" err="1" smtClean="0"/>
+              <a:t>Preprocessing</a:t>
+            </a:r>
+            <a:r>
               <a:rPr lang="de-DE" dirty="0" smtClean="0"/>
-              <a:t>Basis </a:t>
+              <a:t>: Konvertierung in </a:t>
+            </a:r>
+            <a:r>
+              <a:rPr lang="de-DE" dirty="0" err="1" smtClean="0"/>
+              <a:t>plain</a:t>
+            </a:r>
+            <a:r>
+              <a:rPr lang="de-DE" dirty="0" smtClean="0"/>
+              <a:t> </a:t>
+            </a:r>
+            <a:r>
+              <a:rPr lang="de-DE" dirty="0" err="1" smtClean="0"/>
+              <a:t>text</a:t>
+            </a:r>
+            <a:endParaRPr lang="de-DE" dirty="0" smtClean="0"/>
+          </a:p>
+          <a:p>
+            <a:r>
+              <a:rPr lang="de-DE" dirty="0" smtClean="0"/>
+              <a:t>Extraktion verschiedener Felder (Titel, Fließtext, Autoren, ...)</a:t>
+            </a:r>
+          </a:p>
+          <a:p>
+            <a:pPr lvl="1"/>
+            <a:r>
+              <a:rPr lang="de-DE" dirty="0" smtClean="0"/>
+              <a:t>Einsatz mehrerer </a:t>
+            </a:r>
+            <a:r>
+              <a:rPr lang="de-DE" dirty="0" err="1" smtClean="0"/>
+              <a:t>Heuristiken</a:t>
+            </a:r>
+            <a:endParaRPr lang="de-DE" dirty="0" smtClean="0"/>
+          </a:p>
+          <a:p>
+            <a:r>
+              <a:rPr lang="de-DE" dirty="0" smtClean="0"/>
+              <a:t>Speicherung in XML-Format</a:t>
+            </a:r>
+          </a:p>
+          <a:p>
+            <a:r>
+              <a:rPr lang="de-DE" dirty="0" smtClean="0"/>
+              <a:t>Indizierung der Dokumente mit </a:t>
             </a:r>
             <a:r>
               <a:rPr lang="de-DE" dirty="0" err="1" smtClean="0"/>
               <a:t>Lucene</a:t>
             </a:r>
-            <a:endParaRPr lang="de-DE" dirty="0" smtClean="0"/>
-          </a:p>
-          <a:p>
             <a:r>
               <a:rPr lang="de-DE" dirty="0" smtClean="0"/>
-              <a:t>Suche im Titel und Text</a:t>
+              <a:t> 7.1.0</a:t>
             </a:r>
             <a:endParaRPr lang="de-DE" dirty="0"/>
           </a:p>
@@ -4222,7 +4312,7 @@
   <p:timing>
     <p:tnLst>
       <p:par>
-        <p:cTn id="1" dur="indefinite" restart="never" nodeType="tmRoot"/>
+        <p:cTn xmlns:p14="http://schemas.microsoft.com/office/powerpoint/2010/main" id="1" dur="indefinite" restart="never" nodeType="tmRoot"/>
       </p:par>
     </p:tnLst>
   </p:timing>
@@ -4263,6 +4353,162 @@
           <a:p>
             <a:r>
               <a:rPr lang="de-DE" dirty="0" smtClean="0"/>
+              <a:t>2. Funktionen</a:t>
+            </a:r>
+            <a:endParaRPr lang="de-DE" dirty="0"/>
+          </a:p>
+        </p:txBody>
+      </p:sp>
+      <p:sp>
+        <p:nvSpPr>
+          <p:cNvPr id="3" name="Inhaltsplatzhalter 2"/>
+          <p:cNvSpPr>
+            <a:spLocks noGrp="1"/>
+          </p:cNvSpPr>
+          <p:nvPr>
+            <p:ph idx="1"/>
+          </p:nvPr>
+        </p:nvSpPr>
+        <p:spPr/>
+        <p:txBody>
+          <a:bodyPr/>
+          <a:lstStyle/>
+          <a:p>
+            <a:r>
+              <a:rPr lang="de-DE" dirty="0"/>
+              <a:t>Suche in verschiedenen </a:t>
+            </a:r>
+            <a:r>
+              <a:rPr lang="de-DE" dirty="0" smtClean="0"/>
+              <a:t>Feldern</a:t>
+            </a:r>
+          </a:p>
+          <a:p>
+            <a:r>
+              <a:rPr lang="de-DE" dirty="0"/>
+              <a:t>Verschiedene Gewichtung der Felder (Titel </a:t>
+            </a:r>
+            <a:r>
+              <a:rPr lang="de-DE" dirty="0" smtClean="0"/>
+              <a:t>vs. Fließtext</a:t>
+            </a:r>
+            <a:r>
+              <a:rPr lang="de-DE" dirty="0"/>
+              <a:t>)</a:t>
+            </a:r>
+          </a:p>
+          <a:p>
+            <a:r>
+              <a:rPr lang="de-DE" dirty="0"/>
+              <a:t>Suchanfragen am Beginn des Dokuments höher </a:t>
+            </a:r>
+            <a:r>
+              <a:rPr lang="de-DE" dirty="0" smtClean="0"/>
+              <a:t>gewichten</a:t>
+            </a:r>
+          </a:p>
+          <a:p>
+            <a:r>
+              <a:rPr lang="de-DE" dirty="0" smtClean="0"/>
+              <a:t>Scoring unter Einbezug von Log-Daten</a:t>
+            </a:r>
+          </a:p>
+          <a:p>
+            <a:pPr lvl="1"/>
+            <a:r>
+              <a:rPr lang="de-DE" dirty="0" smtClean="0"/>
+              <a:t>Klickzahlen</a:t>
+            </a:r>
+          </a:p>
+          <a:p>
+            <a:pPr lvl="1"/>
+            <a:r>
+              <a:rPr lang="de-DE" dirty="0"/>
+              <a:t>Verweildauer auf Dokumenten</a:t>
+            </a:r>
+            <a:endParaRPr lang="de-DE" dirty="0" smtClean="0"/>
+          </a:p>
+          <a:p>
+            <a:pPr lvl="1"/>
+            <a:r>
+              <a:rPr lang="de-DE" dirty="0"/>
+              <a:t>Anzahl Zitierungen </a:t>
+            </a:r>
+            <a:endParaRPr lang="de-DE" dirty="0" smtClean="0"/>
+          </a:p>
+          <a:p>
+            <a:r>
+              <a:rPr lang="de-DE" dirty="0" smtClean="0"/>
+              <a:t>Normalisierung</a:t>
+            </a:r>
+          </a:p>
+          <a:p>
+            <a:r>
+              <a:rPr lang="de-DE" dirty="0" smtClean="0"/>
+              <a:t>Generierung von </a:t>
+            </a:r>
+            <a:r>
+              <a:rPr lang="de-DE" dirty="0" err="1" smtClean="0"/>
+              <a:t>Snippets</a:t>
+            </a:r>
+            <a:endParaRPr lang="de-DE" dirty="0"/>
+          </a:p>
+        </p:txBody>
+      </p:sp>
+    </p:spTree>
+    <p:extLst>
+      <p:ext uri="{BB962C8B-B14F-4D97-AF65-F5344CB8AC3E}">
+        <p14:creationId xmlns:p14="http://schemas.microsoft.com/office/powerpoint/2010/main" val="4182377805"/>
+      </p:ext>
+    </p:extLst>
+  </p:cSld>
+  <p:clrMapOvr>
+    <a:masterClrMapping/>
+  </p:clrMapOvr>
+  <p:timing>
+    <p:tnLst>
+      <p:par>
+        <p:cTn xmlns:p14="http://schemas.microsoft.com/office/powerpoint/2010/main" id="1" dur="indefinite" restart="never" nodeType="tmRoot"/>
+      </p:par>
+    </p:tnLst>
+  </p:timing>
+</p:sld>
+</file>
+
+<file path=ppt/slides/slide6.xml><?xml version="1.0" encoding="utf-8"?>
+<p:sld xmlns:a="http://schemas.openxmlformats.org/drawingml/2006/main" xmlns:r="http://schemas.openxmlformats.org/officeDocument/2006/relationships" xmlns:p="http://schemas.openxmlformats.org/presentationml/2006/main">
+  <p:cSld>
+    <p:spTree>
+      <p:nvGrpSpPr>
+        <p:cNvPr id="1" name=""/>
+        <p:cNvGrpSpPr/>
+        <p:nvPr/>
+      </p:nvGrpSpPr>
+      <p:grpSpPr>
+        <a:xfrm>
+          <a:off x="0" y="0"/>
+          <a:ext cx="0" cy="0"/>
+          <a:chOff x="0" y="0"/>
+          <a:chExt cx="0" cy="0"/>
+        </a:xfrm>
+      </p:grpSpPr>
+      <p:sp>
+        <p:nvSpPr>
+          <p:cNvPr id="2" name="Titel 1"/>
+          <p:cNvSpPr>
+            <a:spLocks noGrp="1"/>
+          </p:cNvSpPr>
+          <p:nvPr>
+            <p:ph type="title"/>
+          </p:nvPr>
+        </p:nvSpPr>
+        <p:spPr/>
+        <p:txBody>
+          <a:bodyPr/>
+          <a:lstStyle/>
+          <a:p>
+            <a:r>
+              <a:rPr lang="de-DE" dirty="0" smtClean="0"/>
               <a:t>3. Live Präsentation</a:t>
             </a:r>
             <a:endParaRPr lang="de-DE" dirty="0"/>
@@ -4274,7 +4520,7 @@
           <p:cNvPr id="4" name="Inhaltsplatzhalter 3">
             <a:extLst>
               <a:ext uri="{FF2B5EF4-FFF2-40B4-BE49-F238E27FC236}">
-                <a16:creationId xmlns:a16="http://schemas.microsoft.com/office/drawing/2014/main" id="{00000000-0000-0000-0000-000000000000}"/>
+                <a16:creationId xmlns:a16="http://schemas.microsoft.com/office/drawing/2014/main" xmlns="" id="{00000000-0000-0000-0000-000000000000}"/>
               </a:ext>
             </a:extLst>
           </p:cNvPr>
@@ -4320,142 +4566,7 @@
   <p:timing>
     <p:tnLst>
       <p:par>
-        <p:cTn id="1" dur="indefinite" restart="never" nodeType="tmRoot"/>
-      </p:par>
-    </p:tnLst>
-  </p:timing>
-</p:sld>
-</file>
-
-<file path=ppt/slides/slide6.xml><?xml version="1.0" encoding="utf-8"?>
-<p:sld xmlns:a="http://schemas.openxmlformats.org/drawingml/2006/main" xmlns:r="http://schemas.openxmlformats.org/officeDocument/2006/relationships" xmlns:p="http://schemas.openxmlformats.org/presentationml/2006/main">
-  <p:cSld>
-    <p:spTree>
-      <p:nvGrpSpPr>
-        <p:cNvPr id="1" name=""/>
-        <p:cNvGrpSpPr/>
-        <p:nvPr/>
-      </p:nvGrpSpPr>
-      <p:grpSpPr>
-        <a:xfrm>
-          <a:off x="0" y="0"/>
-          <a:ext cx="0" cy="0"/>
-          <a:chOff x="0" y="0"/>
-          <a:chExt cx="0" cy="0"/>
-        </a:xfrm>
-      </p:grpSpPr>
-      <p:sp>
-        <p:nvSpPr>
-          <p:cNvPr id="2" name="Titel 1"/>
-          <p:cNvSpPr>
-            <a:spLocks noGrp="1"/>
-          </p:cNvSpPr>
-          <p:nvPr>
-            <p:ph type="title"/>
-          </p:nvPr>
-        </p:nvSpPr>
-        <p:spPr/>
-        <p:txBody>
-          <a:bodyPr/>
-          <a:lstStyle/>
-          <a:p>
-            <a:r>
-              <a:rPr lang="de-DE" dirty="0" smtClean="0"/>
-              <a:t>4. Evaluation</a:t>
-            </a:r>
-            <a:endParaRPr lang="de-DE" dirty="0"/>
-          </a:p>
-        </p:txBody>
-      </p:sp>
-      <p:sp>
-        <p:nvSpPr>
-          <p:cNvPr id="3" name="Inhaltsplatzhalter 2"/>
-          <p:cNvSpPr>
-            <a:spLocks noGrp="1"/>
-          </p:cNvSpPr>
-          <p:nvPr>
-            <p:ph idx="1"/>
-          </p:nvPr>
-        </p:nvSpPr>
-        <p:spPr/>
-        <p:txBody>
-          <a:bodyPr/>
-          <a:lstStyle/>
-          <a:p>
-            <a:pPr>
-              <a:lnSpc>
-                <a:spcPct val="150000"/>
-              </a:lnSpc>
-            </a:pPr>
-            <a:r>
-              <a:rPr lang="de-DE" dirty="0" smtClean="0"/>
-              <a:t>40 Topics</a:t>
-            </a:r>
-          </a:p>
-          <a:p>
-            <a:pPr>
-              <a:lnSpc>
-                <a:spcPct val="150000"/>
-              </a:lnSpc>
-            </a:pPr>
-            <a:r>
-              <a:rPr lang="de-DE" dirty="0" smtClean="0"/>
-              <a:t>Erste 10 Suchergebnisse nach Relevanz klassifiziert</a:t>
-            </a:r>
-          </a:p>
-          <a:p>
-            <a:pPr>
-              <a:lnSpc>
-                <a:spcPct val="150000"/>
-              </a:lnSpc>
-            </a:pPr>
-            <a:r>
-              <a:rPr lang="de-DE" dirty="0"/>
-              <a:t>k</a:t>
-            </a:r>
-            <a:r>
-              <a:rPr lang="de-DE" dirty="0" smtClean="0"/>
-              <a:t>urze &amp; lange Suchbegriffe </a:t>
-            </a:r>
-            <a:r>
-              <a:rPr lang="de-DE" dirty="0" smtClean="0">
-                <a:sym typeface="Wingdings" panose="05000000000000000000" pitchFamily="2" charset="2"/>
-              </a:rPr>
-              <a:t> sehr gute Ergebnisse</a:t>
-            </a:r>
-          </a:p>
-          <a:p>
-            <a:pPr>
-              <a:lnSpc>
-                <a:spcPct val="150000"/>
-              </a:lnSpc>
-              <a:buFont typeface="Wingdings" panose="05000000000000000000" pitchFamily="2" charset="2"/>
-              <a:buChar char="Ø"/>
-            </a:pPr>
-            <a:r>
-              <a:rPr lang="de-DE" dirty="0" smtClean="0">
-                <a:sym typeface="Wingdings" panose="05000000000000000000" pitchFamily="2" charset="2"/>
-              </a:rPr>
-              <a:t>Die für das Ranking genutzten Parameter gut zur Bewertung von wissenschaftlichen Publikationen geeignet</a:t>
-            </a:r>
-            <a:endParaRPr lang="de-DE" dirty="0" smtClean="0"/>
-          </a:p>
-        </p:txBody>
-      </p:sp>
-    </p:spTree>
-    <p:extLst>
-      <p:ext uri="{BB962C8B-B14F-4D97-AF65-F5344CB8AC3E}">
-        <p14:creationId xmlns:p14="http://schemas.microsoft.com/office/powerpoint/2010/main" val="4148029899"/>
-      </p:ext>
-    </p:extLst>
-  </p:cSld>
-  <p:clrMapOvr>
-    <a:masterClrMapping/>
-  </p:clrMapOvr>
-  <p:timing>
-    <p:tnLst>
-      <p:par>
-        <p:cTn id="1" dur="indefinite" restart="never" nodeType="tmRoot"/>
+        <p:cTn xmlns:p14="http://schemas.microsoft.com/office/powerpoint/2010/main" id="1" dur="indefinite" restart="never" nodeType="tmRoot"/>
       </p:par>
     </p:tnLst>
   </p:timing>
@@ -4496,7 +4607,7 @@
           <a:p>
             <a:r>
               <a:rPr lang="de-DE" dirty="0" smtClean="0"/>
-              <a:t>5. Fazit</a:t>
+              <a:t>4. Evaluation</a:t>
             </a:r>
             <a:endParaRPr lang="de-DE" dirty="0"/>
           </a:p>
@@ -4514,9 +4625,7 @@
         </p:nvSpPr>
         <p:spPr/>
         <p:txBody>
-          <a:bodyPr>
-            <a:normAutofit/>
-          </a:bodyPr>
+          <a:bodyPr/>
           <a:lstStyle/>
           <a:p>
             <a:pPr>
@@ -4526,7 +4635,7 @@
             </a:pPr>
             <a:r>
               <a:rPr lang="de-DE" dirty="0" smtClean="0"/>
-              <a:t>Suchmaschine für wissenschaftliche Texte entwickelt</a:t>
+              <a:t>40 Topics</a:t>
             </a:r>
           </a:p>
           <a:p>
@@ -4537,23 +4646,7 @@
             </a:pPr>
             <a:r>
               <a:rPr lang="de-DE" dirty="0" smtClean="0"/>
-              <a:t>Weitere Funktionen implementiert</a:t>
-            </a:r>
-          </a:p>
-          <a:p>
-            <a:pPr marL="0" indent="0">
-              <a:lnSpc>
-                <a:spcPct val="150000"/>
-              </a:lnSpc>
-              <a:buNone/>
-            </a:pPr>
-            <a:r>
-              <a:rPr lang="de-DE" dirty="0"/>
-              <a:t> </a:t>
-            </a:r>
-            <a:r>
-              <a:rPr lang="de-DE" dirty="0" smtClean="0"/>
-              <a:t> Mit Weboberfläche zugänglich gemacht</a:t>
+              <a:t>Erste 10 Suchergebnisse nach Relevanz klassifiziert</a:t>
             </a:r>
           </a:p>
           <a:p>
@@ -4563,8 +4656,18 @@
               </a:lnSpc>
             </a:pPr>
             <a:r>
+              <a:rPr lang="de-DE" dirty="0"/>
+              <a:t>k</a:t>
+            </a:r>
+            <a:r>
               <a:rPr lang="de-DE" dirty="0" smtClean="0"/>
-              <a:t>Gute Ergebnisse</a:t>
+              <a:t>urze &amp; lange Suchbegriffe </a:t>
+            </a:r>
+            <a:r>
+              <a:rPr lang="de-DE" dirty="0" smtClean="0">
+                <a:sym typeface="Wingdings" panose="05000000000000000000" pitchFamily="2" charset="2"/>
+              </a:rPr>
+              <a:t> sehr gute Ergebnisse</a:t>
             </a:r>
           </a:p>
           <a:p>
@@ -4576,19 +4679,19 @@
               <a:buChar char="Ø"/>
             </a:pPr>
             <a:r>
-              <a:rPr lang="de-DE" dirty="0" smtClean="0"/>
-              <a:t>Es ist durch die Suchmaschine möglich auf einer großen Menge an Papers zu suchen und relevante Ergebnisse zu erhalten.</a:t>
-            </a:r>
-          </a:p>
-          <a:p>
-            <a:endParaRPr lang="de-DE" dirty="0"/>
+              <a:rPr lang="de-DE" dirty="0" smtClean="0">
+                <a:sym typeface="Wingdings" panose="05000000000000000000" pitchFamily="2" charset="2"/>
+              </a:rPr>
+              <a:t>Die für das Ranking genutzten Parameter gut zur Bewertung von wissenschaftlichen Publikationen geeignet</a:t>
+            </a:r>
+            <a:endParaRPr lang="de-DE" dirty="0" smtClean="0"/>
           </a:p>
         </p:txBody>
       </p:sp>
     </p:spTree>
     <p:extLst>
       <p:ext uri="{BB962C8B-B14F-4D97-AF65-F5344CB8AC3E}">
-        <p14:creationId xmlns:p14="http://schemas.microsoft.com/office/powerpoint/2010/main" val="3833597643"/>
+        <p14:creationId xmlns:p14="http://schemas.microsoft.com/office/powerpoint/2010/main" val="4148029899"/>
       </p:ext>
     </p:extLst>
   </p:cSld>
@@ -4598,7 +4701,7 @@
   <p:timing>
     <p:tnLst>
       <p:par>
-        <p:cTn id="1" dur="indefinite" restart="never" nodeType="tmRoot"/>
+        <p:cTn xmlns:p14="http://schemas.microsoft.com/office/powerpoint/2010/main" id="1" dur="indefinite" restart="never" nodeType="tmRoot"/>
       </p:par>
     </p:tnLst>
   </p:timing>
@@ -4637,6 +4740,149 @@
           <a:bodyPr/>
           <a:lstStyle/>
           <a:p>
+            <a:r>
+              <a:rPr lang="de-DE" dirty="0" smtClean="0"/>
+              <a:t>5. Fazit</a:t>
+            </a:r>
+            <a:endParaRPr lang="de-DE" dirty="0"/>
+          </a:p>
+        </p:txBody>
+      </p:sp>
+      <p:sp>
+        <p:nvSpPr>
+          <p:cNvPr id="3" name="Inhaltsplatzhalter 2"/>
+          <p:cNvSpPr>
+            <a:spLocks noGrp="1"/>
+          </p:cNvSpPr>
+          <p:nvPr>
+            <p:ph idx="1"/>
+          </p:nvPr>
+        </p:nvSpPr>
+        <p:spPr/>
+        <p:txBody>
+          <a:bodyPr>
+            <a:normAutofit/>
+          </a:bodyPr>
+          <a:lstStyle/>
+          <a:p>
+            <a:pPr>
+              <a:lnSpc>
+                <a:spcPct val="150000"/>
+              </a:lnSpc>
+            </a:pPr>
+            <a:r>
+              <a:rPr lang="de-DE" dirty="0" smtClean="0"/>
+              <a:t>Suchmaschine für wissenschaftliche Texte entwickelt</a:t>
+            </a:r>
+          </a:p>
+          <a:p>
+            <a:pPr>
+              <a:lnSpc>
+                <a:spcPct val="150000"/>
+              </a:lnSpc>
+            </a:pPr>
+            <a:r>
+              <a:rPr lang="de-DE" dirty="0" smtClean="0"/>
+              <a:t>Weitere Funktionen implementiert</a:t>
+            </a:r>
+          </a:p>
+          <a:p>
+            <a:pPr marL="0" indent="0">
+              <a:lnSpc>
+                <a:spcPct val="150000"/>
+              </a:lnSpc>
+              <a:buNone/>
+            </a:pPr>
+            <a:r>
+              <a:rPr lang="de-DE" dirty="0"/>
+              <a:t> </a:t>
+            </a:r>
+            <a:r>
+              <a:rPr lang="de-DE" dirty="0" smtClean="0"/>
+              <a:t> Mit Weboberfläche zugänglich gemacht</a:t>
+            </a:r>
+          </a:p>
+          <a:p>
+            <a:pPr>
+              <a:lnSpc>
+                <a:spcPct val="150000"/>
+              </a:lnSpc>
+            </a:pPr>
+            <a:r>
+              <a:rPr lang="de-DE" dirty="0" smtClean="0"/>
+              <a:t>Gute Ergebnisse</a:t>
+            </a:r>
+          </a:p>
+          <a:p>
+            <a:pPr>
+              <a:lnSpc>
+                <a:spcPct val="150000"/>
+              </a:lnSpc>
+              <a:buFont typeface="Wingdings" panose="05000000000000000000" pitchFamily="2" charset="2"/>
+              <a:buChar char="Ø"/>
+            </a:pPr>
+            <a:r>
+              <a:rPr lang="de-DE" dirty="0" smtClean="0"/>
+              <a:t>Es ist durch die Suchmaschine möglich auf einer großen Menge an Papers zu suchen und relevante Ergebnisse zu erhalten.</a:t>
+            </a:r>
+          </a:p>
+          <a:p>
+            <a:endParaRPr lang="de-DE" dirty="0"/>
+          </a:p>
+        </p:txBody>
+      </p:sp>
+    </p:spTree>
+    <p:extLst>
+      <p:ext uri="{BB962C8B-B14F-4D97-AF65-F5344CB8AC3E}">
+        <p14:creationId xmlns:p14="http://schemas.microsoft.com/office/powerpoint/2010/main" val="3833597643"/>
+      </p:ext>
+    </p:extLst>
+  </p:cSld>
+  <p:clrMapOvr>
+    <a:masterClrMapping/>
+  </p:clrMapOvr>
+  <p:timing>
+    <p:tnLst>
+      <p:par>
+        <p:cTn xmlns:p14="http://schemas.microsoft.com/office/powerpoint/2010/main" id="1" dur="indefinite" restart="never" nodeType="tmRoot"/>
+      </p:par>
+    </p:tnLst>
+  </p:timing>
+</p:sld>
+</file>
+
+<file path=ppt/slides/slide9.xml><?xml version="1.0" encoding="utf-8"?>
+<p:sld xmlns:a="http://schemas.openxmlformats.org/drawingml/2006/main" xmlns:r="http://schemas.openxmlformats.org/officeDocument/2006/relationships" xmlns:p="http://schemas.openxmlformats.org/presentationml/2006/main">
+  <p:cSld>
+    <p:spTree>
+      <p:nvGrpSpPr>
+        <p:cNvPr id="1" name=""/>
+        <p:cNvGrpSpPr/>
+        <p:nvPr/>
+      </p:nvGrpSpPr>
+      <p:grpSpPr>
+        <a:xfrm>
+          <a:off x="0" y="0"/>
+          <a:ext cx="0" cy="0"/>
+          <a:chOff x="0" y="0"/>
+          <a:chExt cx="0" cy="0"/>
+        </a:xfrm>
+      </p:grpSpPr>
+      <p:sp>
+        <p:nvSpPr>
+          <p:cNvPr id="2" name="Titel 1"/>
+          <p:cNvSpPr>
+            <a:spLocks noGrp="1"/>
+          </p:cNvSpPr>
+          <p:nvPr>
+            <p:ph type="title"/>
+          </p:nvPr>
+        </p:nvSpPr>
+        <p:spPr/>
+        <p:txBody>
+          <a:bodyPr/>
+          <a:lstStyle/>
+          <a:p>
             <a:pPr algn="ctr"/>
             <a:r>
               <a:rPr lang="de-DE" dirty="0" smtClean="0"/>
@@ -4678,7 +4924,7 @@
   <p:timing>
     <p:tnLst>
       <p:par>
-        <p:cTn id="1" dur="indefinite" restart="never" nodeType="tmRoot"/>
+        <p:cTn xmlns:p14="http://schemas.microsoft.com/office/powerpoint/2010/main" id="1" dur="indefinite" restart="never" nodeType="tmRoot"/>
       </p:par>
     </p:tnLst>
   </p:timing>
@@ -4728,7 +4974,7 @@
     </a:clrScheme>
     <a:fontScheme name="Rückblick">
       <a:majorFont>
-        <a:latin typeface="Calibri Light" panose="020F0302020204030204"/>
+        <a:latin typeface="Calibri Light"/>
         <a:ea typeface=""/>
         <a:cs typeface=""/>
         <a:font script="Jpan" typeface="ＭＳ Ｐゴシック"/>
@@ -4763,7 +5009,7 @@
         <a:font script="Geor" typeface="Sylfaen"/>
       </a:majorFont>
       <a:minorFont>
-        <a:latin typeface="Calibri" panose="020F0502020204030204"/>
+        <a:latin typeface="Calibri"/>
         <a:ea typeface=""/>
         <a:cs typeface=""/>
         <a:font script="Jpan" typeface="ＭＳ Ｐゴシック"/>
@@ -4962,7 +5208,7 @@
   <a:extraClrSchemeLst/>
   <a:extLst>
     <a:ext uri="{05A4C25C-085E-4340-85A3-A5531E510DB2}">
-      <thm15:themeFamily xmlns:thm15="http://schemas.microsoft.com/office/thememl/2012/main" name="Retrospect" id="{5F128B03-DCCA-4EEB-AB3B-CF2899314A46}" vid="{3F1AAB62-24C6-49D2-8E01-B56FAC9A3DCD}"/>
+      <thm15:themeFamily xmlns:thm15="http://schemas.microsoft.com/office/thememl/2012/main" xmlns="" name="Retrospect" id="{5F128B03-DCCA-4EEB-AB3B-CF2899314A46}" vid="{3F1AAB62-24C6-49D2-8E01-B56FAC9A3DCD}"/>
     </a:ext>
   </a:extLst>
 </a:theme>

--- a/Digital Text Forensics Search Engine.pptx
+++ b/Digital Text Forensics Search Engine.pptx
@@ -341,7 +341,7 @@
           <a:p>
             <a:fld id="{F8A6BAA9-4378-42EF-83FD-7CE001516070}" type="datetimeFigureOut">
               <a:rPr lang="de-DE" smtClean="0"/>
-              <a:t>14.04.18</a:t>
+              <a:t>15.04.18</a:t>
             </a:fld>
             <a:endParaRPr lang="de-DE"/>
           </a:p>
@@ -549,7 +549,7 @@
           <a:p>
             <a:fld id="{F8A6BAA9-4378-42EF-83FD-7CE001516070}" type="datetimeFigureOut">
               <a:rPr lang="de-DE" smtClean="0"/>
-              <a:t>14.04.18</a:t>
+              <a:t>15.04.18</a:t>
             </a:fld>
             <a:endParaRPr lang="de-DE"/>
           </a:p>
@@ -805,7 +805,7 @@
           <a:p>
             <a:fld id="{F8A6BAA9-4378-42EF-83FD-7CE001516070}" type="datetimeFigureOut">
               <a:rPr lang="de-DE" smtClean="0"/>
-              <a:t>14.04.18</a:t>
+              <a:t>15.04.18</a:t>
             </a:fld>
             <a:endParaRPr lang="de-DE"/>
           </a:p>
@@ -979,7 +979,7 @@
           <a:p>
             <a:fld id="{F8A6BAA9-4378-42EF-83FD-7CE001516070}" type="datetimeFigureOut">
               <a:rPr lang="de-DE" smtClean="0"/>
-              <a:t>14.04.18</a:t>
+              <a:t>15.04.18</a:t>
             </a:fld>
             <a:endParaRPr lang="de-DE"/>
           </a:p>
@@ -1322,7 +1322,7 @@
           <a:p>
             <a:fld id="{F8A6BAA9-4378-42EF-83FD-7CE001516070}" type="datetimeFigureOut">
               <a:rPr lang="de-DE" smtClean="0"/>
-              <a:t>14.04.18</a:t>
+              <a:t>15.04.18</a:t>
             </a:fld>
             <a:endParaRPr lang="de-DE"/>
           </a:p>
@@ -1597,7 +1597,7 @@
           <a:p>
             <a:fld id="{F8A6BAA9-4378-42EF-83FD-7CE001516070}" type="datetimeFigureOut">
               <a:rPr lang="de-DE" smtClean="0"/>
-              <a:t>14.04.18</a:t>
+              <a:t>15.04.18</a:t>
             </a:fld>
             <a:endParaRPr lang="de-DE"/>
           </a:p>
@@ -1976,7 +1976,7 @@
           <a:p>
             <a:fld id="{F8A6BAA9-4378-42EF-83FD-7CE001516070}" type="datetimeFigureOut">
               <a:rPr lang="de-DE" smtClean="0"/>
-              <a:t>14.04.18</a:t>
+              <a:t>15.04.18</a:t>
             </a:fld>
             <a:endParaRPr lang="de-DE"/>
           </a:p>
@@ -2094,7 +2094,7 @@
           <a:p>
             <a:fld id="{F8A6BAA9-4378-42EF-83FD-7CE001516070}" type="datetimeFigureOut">
               <a:rPr lang="de-DE" smtClean="0"/>
-              <a:t>14.04.18</a:t>
+              <a:t>15.04.18</a:t>
             </a:fld>
             <a:endParaRPr lang="de-DE"/>
           </a:p>
@@ -2265,7 +2265,7 @@
           <a:p>
             <a:fld id="{F8A6BAA9-4378-42EF-83FD-7CE001516070}" type="datetimeFigureOut">
               <a:rPr lang="de-DE" smtClean="0"/>
-              <a:t>14.04.18</a:t>
+              <a:t>15.04.18</a:t>
             </a:fld>
             <a:endParaRPr lang="de-DE"/>
           </a:p>
@@ -2619,7 +2619,7 @@
           <a:p>
             <a:fld id="{F8A6BAA9-4378-42EF-83FD-7CE001516070}" type="datetimeFigureOut">
               <a:rPr lang="de-DE" smtClean="0"/>
-              <a:t>14.04.18</a:t>
+              <a:t>15.04.18</a:t>
             </a:fld>
             <a:endParaRPr lang="de-DE"/>
           </a:p>
@@ -3001,7 +3001,7 @@
           <a:p>
             <a:fld id="{F8A6BAA9-4378-42EF-83FD-7CE001516070}" type="datetimeFigureOut">
               <a:rPr lang="de-DE" smtClean="0"/>
-              <a:t>14.04.18</a:t>
+              <a:t>15.04.18</a:t>
             </a:fld>
             <a:endParaRPr lang="de-DE"/>
           </a:p>
@@ -3288,7 +3288,7 @@
           <a:p>
             <a:fld id="{F8A6BAA9-4378-42EF-83FD-7CE001516070}" type="datetimeFigureOut">
               <a:rPr lang="de-DE" smtClean="0"/>
-              <a:t>14.04.18</a:t>
+              <a:t>15.04.18</a:t>
             </a:fld>
             <a:endParaRPr lang="de-DE"/>
           </a:p>
@@ -4237,7 +4237,7 @@
           <a:lstStyle/>
           <a:p>
             <a:r>
-              <a:rPr lang="de-DE" dirty="0" err="1" smtClean="0"/>
+              <a:rPr lang="de-DE" b="1" dirty="0" err="1" smtClean="0"/>
               <a:t>Preprocessing</a:t>
             </a:r>
             <a:r>
@@ -4267,11 +4267,57 @@
           <a:p>
             <a:pPr lvl="1"/>
             <a:r>
+              <a:rPr lang="de-DE" dirty="0" err="1"/>
+              <a:t>Docear</a:t>
+            </a:r>
+            <a:r>
+              <a:rPr lang="de-DE" dirty="0"/>
+              <a:t> </a:t>
+            </a:r>
+            <a:r>
+              <a:rPr lang="de-DE" dirty="0" err="1" smtClean="0"/>
+              <a:t>PdfDataExtractor</a:t>
+            </a:r>
+            <a:endParaRPr lang="de-DE" dirty="0" smtClean="0"/>
+          </a:p>
+          <a:p>
+            <a:pPr lvl="1"/>
+            <a:r>
               <a:rPr lang="de-DE" dirty="0" smtClean="0"/>
-              <a:t>Einsatz mehrerer </a:t>
-            </a:r>
-            <a:r>
-              <a:rPr lang="de-DE" dirty="0" err="1" smtClean="0"/>
+              <a:t>DBLP</a:t>
+            </a:r>
+          </a:p>
+          <a:p>
+            <a:pPr lvl="1"/>
+            <a:r>
+              <a:rPr lang="de-DE" dirty="0" err="1"/>
+              <a:t>Named</a:t>
+            </a:r>
+            <a:r>
+              <a:rPr lang="de-DE" dirty="0"/>
+              <a:t> </a:t>
+            </a:r>
+            <a:r>
+              <a:rPr lang="de-DE" dirty="0" err="1"/>
+              <a:t>Entity</a:t>
+            </a:r>
+            <a:r>
+              <a:rPr lang="de-DE" dirty="0"/>
+              <a:t> Recognition für </a:t>
+            </a:r>
+            <a:r>
+              <a:rPr lang="de-DE" dirty="0" smtClean="0"/>
+              <a:t>Autoren</a:t>
+            </a:r>
+          </a:p>
+          <a:p>
+            <a:pPr lvl="1"/>
+            <a:r>
+              <a:rPr lang="de-DE" dirty="0"/>
+              <a:t>Einsatz eigener </a:t>
+            </a:r>
+            <a:r>
+              <a:rPr lang="de-DE" dirty="0" err="1"/>
               <a:t>Heuristiken</a:t>
             </a:r>
             <a:endParaRPr lang="de-DE" dirty="0" smtClean="0"/>
@@ -4375,8 +4421,12 @@
           <a:lstStyle/>
           <a:p>
             <a:r>
+              <a:rPr lang="de-DE" b="1" dirty="0"/>
+              <a:t>Suche</a:t>
+            </a:r>
+            <a:r>
               <a:rPr lang="de-DE" dirty="0"/>
-              <a:t>Suche in verschiedenen </a:t>
+              <a:t> in verschiedenen </a:t>
             </a:r>
             <a:r>
               <a:rPr lang="de-DE" dirty="0" smtClean="0"/>
@@ -4434,13 +4484,11 @@
               <a:rPr lang="de-DE" dirty="0"/>
               <a:t>Anzahl Zitierungen </a:t>
             </a:r>
+            <a:r>
+              <a:rPr lang="de-DE" dirty="0" smtClean="0"/>
+              <a:t>(verfügbar via Pearl-Skript)</a:t>
+            </a:r>
             <a:endParaRPr lang="de-DE" dirty="0" smtClean="0"/>
-          </a:p>
-          <a:p>
-            <a:r>
-              <a:rPr lang="de-DE" dirty="0" smtClean="0"/>
-              <a:t>Normalisierung</a:t>
-            </a:r>
           </a:p>
           <a:p>
             <a:r>
@@ -4451,6 +4499,19 @@
               <a:rPr lang="de-DE" dirty="0" err="1" smtClean="0"/>
               <a:t>Snippets</a:t>
             </a:r>
+            <a:endParaRPr lang="de-DE" dirty="0" smtClean="0"/>
+          </a:p>
+          <a:p>
+            <a:r>
+              <a:rPr lang="de-DE" b="1" dirty="0"/>
+              <a:t>Backend &amp; Frontend: </a:t>
+            </a:r>
+            <a:r>
+              <a:rPr lang="de-DE" dirty="0"/>
+              <a:t>Spring Boot, H2-Datenbank</a:t>
+            </a:r>
+          </a:p>
+          <a:p>
             <a:endParaRPr lang="de-DE" dirty="0"/>
           </a:p>
         </p:txBody>
@@ -4520,7 +4581,7 @@
           <p:cNvPr id="4" name="Inhaltsplatzhalter 3">
             <a:extLst>
               <a:ext uri="{FF2B5EF4-FFF2-40B4-BE49-F238E27FC236}">
-                <a16:creationId xmlns:a16="http://schemas.microsoft.com/office/drawing/2014/main" xmlns="" id="{00000000-0000-0000-0000-000000000000}"/>
+                <a16:creationId xmlns="" xmlns:a16="http://schemas.microsoft.com/office/drawing/2014/main" id="{00000000-0000-0000-0000-000000000000}"/>
               </a:ext>
             </a:extLst>
           </p:cNvPr>
@@ -5208,7 +5269,7 @@
   <a:extraClrSchemeLst/>
   <a:extLst>
     <a:ext uri="{05A4C25C-085E-4340-85A3-A5531E510DB2}">
-      <thm15:themeFamily xmlns:thm15="http://schemas.microsoft.com/office/thememl/2012/main" xmlns="" name="Retrospect" id="{5F128B03-DCCA-4EEB-AB3B-CF2899314A46}" vid="{3F1AAB62-24C6-49D2-8E01-B56FAC9A3DCD}"/>
+      <thm15:themeFamily xmlns="" xmlns:thm15="http://schemas.microsoft.com/office/thememl/2012/main" name="Retrospect" id="{5F128B03-DCCA-4EEB-AB3B-CF2899314A46}" vid="{3F1AAB62-24C6-49D2-8E01-B56FAC9A3DCD}"/>
     </a:ext>
   </a:extLst>
 </a:theme>
